--- a/Presentation.pptx
+++ b/Presentation.pptx
@@ -6753,7 +6753,7 @@
           <a:p>
             <a:fld id="{F7B9C5C6-7A0A-4BAC-AD87-F969B8A7A2A4}" type="datetimeFigureOut">
               <a:rPr lang="en-IE" smtClean="0"/>
-              <a:t>09/12/2020</a:t>
+              <a:t>12/12/2020</a:t>
             </a:fld>
             <a:endParaRPr lang="en-IE"/>
           </a:p>
@@ -8922,7 +8922,7 @@
           <a:p>
             <a:fld id="{B89C6AE1-2333-4445-AAE9-F4505DEEB201}" type="datetimeFigureOut">
               <a:rPr lang="en-GB" smtClean="0"/>
-              <a:t>09/12/2020</a:t>
+              <a:t>12/12/2020</a:t>
             </a:fld>
             <a:endParaRPr lang="en-GB"/>
           </a:p>
@@ -9932,10 +9932,10 @@
       </p:pic>
       <p:pic>
         <p:nvPicPr>
-          <p:cNvPr id="7" name="Picture 6">
+          <p:cNvPr id="4" name="Picture 3">
             <a:extLst>
               <a:ext uri="{FF2B5EF4-FFF2-40B4-BE49-F238E27FC236}">
-                <a16:creationId xmlns:a16="http://schemas.microsoft.com/office/drawing/2014/main" id="{D0D0B1A0-9873-4F89-BE89-A165CACB7D6D}"/>
+                <a16:creationId xmlns:a16="http://schemas.microsoft.com/office/drawing/2014/main" id="{0C385A86-92A0-437F-9E46-AEE1CFAF9834}"/>
               </a:ext>
             </a:extLst>
           </p:cNvPr>
@@ -9952,8 +9952,8 @@
         </p:blipFill>
         <p:spPr>
           <a:xfrm>
-            <a:off x="5184601" y="1047750"/>
-            <a:ext cx="2771775" cy="4762500"/>
+            <a:off x="5184601" y="1033462"/>
+            <a:ext cx="2771775" cy="4791075"/>
           </a:xfrm>
           <a:prstGeom prst="rect">
             <a:avLst/>
@@ -10973,10 +10973,10 @@
       </p:grpSpPr>
       <p:pic>
         <p:nvPicPr>
-          <p:cNvPr id="6" name="Content Placeholder 5" descr="Diagram&#10;&#10;Description automatically generated">
+          <p:cNvPr id="11" name="Content Placeholder 10" descr="Diagram&#10;&#10;Description automatically generated">
             <a:extLst>
               <a:ext uri="{FF2B5EF4-FFF2-40B4-BE49-F238E27FC236}">
-                <a16:creationId xmlns:a16="http://schemas.microsoft.com/office/drawing/2014/main" id="{D5390A16-C8D6-48C9-A6BC-BF6FDB7EEBB7}"/>
+                <a16:creationId xmlns:a16="http://schemas.microsoft.com/office/drawing/2014/main" id="{BF27FF7E-CF22-4DC4-9049-8E83941EEA87}"/>
               </a:ext>
             </a:extLst>
           </p:cNvPr>
@@ -11001,8 +11001,8 @@
         </p:blipFill>
         <p:spPr>
           <a:xfrm>
-            <a:off x="1817487" y="1351930"/>
-            <a:ext cx="5498681" cy="5365461"/>
+            <a:off x="1763689" y="1211486"/>
+            <a:ext cx="5688632" cy="5550810"/>
           </a:xfrm>
         </p:spPr>
       </p:pic>
@@ -11195,39 +11195,6 @@
           <a:chExt cx="0" cy="0"/>
         </a:xfrm>
       </p:grpSpPr>
-      <p:pic>
-        <p:nvPicPr>
-          <p:cNvPr id="6" name="Content Placeholder 5">
-            <a:extLst>
-              <a:ext uri="{FF2B5EF4-FFF2-40B4-BE49-F238E27FC236}">
-                <a16:creationId xmlns:a16="http://schemas.microsoft.com/office/drawing/2014/main" id="{A47BD397-B605-4708-A7D7-F87367D379F4}"/>
-              </a:ext>
-            </a:extLst>
-          </p:cNvPr>
-          <p:cNvPicPr>
-            <a:picLocks noGrp="1" noChangeAspect="1"/>
-          </p:cNvPicPr>
-          <p:nvPr>
-            <p:ph sz="half" idx="2"/>
-          </p:nvPr>
-        </p:nvPicPr>
-        <p:blipFill>
-          <a:blip r:embed="rId2"/>
-          <a:stretch>
-            <a:fillRect/>
-          </a:stretch>
-        </p:blipFill>
-        <p:spPr>
-          <a:xfrm>
-            <a:off x="748859" y="1600201"/>
-            <a:ext cx="7718289" cy="3917032"/>
-          </a:xfrm>
-          <a:prstGeom prst="rect">
-            <a:avLst/>
-          </a:prstGeom>
-          <a:noFill/>
-        </p:spPr>
-      </p:pic>
       <p:sp>
         <p:nvSpPr>
           <p:cNvPr id="2" name="Title 1">
@@ -11308,6 +11275,40 @@
           </a:p>
         </p:txBody>
       </p:sp>
+      <p:pic>
+        <p:nvPicPr>
+          <p:cNvPr id="10" name="Content Placeholder 7" descr="Diagram&#10;&#10;Description automatically generated">
+            <a:extLst>
+              <a:ext uri="{FF2B5EF4-FFF2-40B4-BE49-F238E27FC236}">
+                <a16:creationId xmlns:a16="http://schemas.microsoft.com/office/drawing/2014/main" id="{007ED84C-6B00-4F1B-B23D-B6652939E864}"/>
+              </a:ext>
+            </a:extLst>
+          </p:cNvPr>
+          <p:cNvPicPr>
+            <a:picLocks noGrp="1" noChangeAspect="1"/>
+          </p:cNvPicPr>
+          <p:nvPr>
+            <p:ph sz="half" idx="2"/>
+          </p:nvPr>
+        </p:nvPicPr>
+        <p:blipFill rotWithShape="1">
+          <a:blip r:embed="rId2">
+            <a:extLst>
+              <a:ext uri="{28A0092B-C50C-407E-A947-70E740481C1C}">
+                <a14:useLocalDpi xmlns:a14="http://schemas.microsoft.com/office/drawing/2010/main" val="0"/>
+              </a:ext>
+            </a:extLst>
+          </a:blip>
+          <a:srcRect l="1563" t="394" r="9646" b="62497"/>
+          <a:stretch/>
+        </p:blipFill>
+        <p:spPr>
+          <a:xfrm>
+            <a:off x="107504" y="1556792"/>
+            <a:ext cx="8758584" cy="3571800"/>
+          </a:xfrm>
+        </p:spPr>
+      </p:pic>
     </p:spTree>
     <p:extLst>
       <p:ext uri="{BB962C8B-B14F-4D97-AF65-F5344CB8AC3E}">
@@ -11338,39 +11339,6 @@
           <a:chExt cx="0" cy="0"/>
         </a:xfrm>
       </p:grpSpPr>
-      <p:pic>
-        <p:nvPicPr>
-          <p:cNvPr id="5" name="Content Placeholder 4">
-            <a:extLst>
-              <a:ext uri="{FF2B5EF4-FFF2-40B4-BE49-F238E27FC236}">
-                <a16:creationId xmlns:a16="http://schemas.microsoft.com/office/drawing/2014/main" id="{5B503AF3-523F-421A-BB0F-2642C1C3D01B}"/>
-              </a:ext>
-            </a:extLst>
-          </p:cNvPr>
-          <p:cNvPicPr>
-            <a:picLocks noGrp="1" noChangeAspect="1"/>
-          </p:cNvPicPr>
-          <p:nvPr>
-            <p:ph sz="half" idx="2"/>
-          </p:nvPr>
-        </p:nvPicPr>
-        <p:blipFill>
-          <a:blip r:embed="rId2"/>
-          <a:stretch>
-            <a:fillRect/>
-          </a:stretch>
-        </p:blipFill>
-        <p:spPr>
-          <a:xfrm>
-            <a:off x="2321304" y="1230685"/>
-            <a:ext cx="4698967" cy="5497366"/>
-          </a:xfrm>
-          <a:prstGeom prst="rect">
-            <a:avLst/>
-          </a:prstGeom>
-          <a:noFill/>
-        </p:spPr>
-      </p:pic>
       <p:sp>
         <p:nvSpPr>
           <p:cNvPr id="2" name="Title 1">
@@ -11451,6 +11419,40 @@
           </a:p>
         </p:txBody>
       </p:sp>
+      <p:pic>
+        <p:nvPicPr>
+          <p:cNvPr id="9" name="Content Placeholder 7" descr="Diagram&#10;&#10;Description automatically generated">
+            <a:extLst>
+              <a:ext uri="{FF2B5EF4-FFF2-40B4-BE49-F238E27FC236}">
+                <a16:creationId xmlns:a16="http://schemas.microsoft.com/office/drawing/2014/main" id="{ECE5B05B-38D0-4D5B-9485-5E6F0B48B0A9}"/>
+              </a:ext>
+            </a:extLst>
+          </p:cNvPr>
+          <p:cNvPicPr>
+            <a:picLocks noGrp="1" noChangeAspect="1"/>
+          </p:cNvPicPr>
+          <p:nvPr>
+            <p:ph sz="half" idx="2"/>
+          </p:nvPr>
+        </p:nvPicPr>
+        <p:blipFill rotWithShape="1">
+          <a:blip r:embed="rId2">
+            <a:extLst>
+              <a:ext uri="{28A0092B-C50C-407E-A947-70E740481C1C}">
+                <a14:useLocalDpi xmlns:a14="http://schemas.microsoft.com/office/drawing/2010/main" val="0"/>
+              </a:ext>
+            </a:extLst>
+          </a:blip>
+          <a:srcRect l="780" t="31798" r="50224" b="7650"/>
+          <a:stretch/>
+        </p:blipFill>
+        <p:spPr>
+          <a:xfrm>
+            <a:off x="2321749" y="1225352"/>
+            <a:ext cx="4490158" cy="5414590"/>
+          </a:xfrm>
+        </p:spPr>
+      </p:pic>
     </p:spTree>
     <p:extLst>
       <p:ext uri="{BB962C8B-B14F-4D97-AF65-F5344CB8AC3E}">
